--- a/img/access/access_en.pptx
+++ b/img/access/access_en.pptx
@@ -259,7 +259,7 @@
           <a:p>
             <a:fld id="{1C8AC47F-426A-48B8-8AC4-B058F4E6A72C}" type="datetimeFigureOut">
               <a:rPr kumimoji="1" lang="ja-JP" altLang="en-US" smtClean="0"/>
-              <a:t>2020/3/10</a:t>
+              <a:t>2020/3/11</a:t>
             </a:fld>
             <a:endParaRPr kumimoji="1" lang="ja-JP" altLang="en-US"/>
           </a:p>
@@ -489,7 +489,7 @@
           <a:p>
             <a:fld id="{1C8AC47F-426A-48B8-8AC4-B058F4E6A72C}" type="datetimeFigureOut">
               <a:rPr kumimoji="1" lang="ja-JP" altLang="en-US" smtClean="0"/>
-              <a:t>2020/3/10</a:t>
+              <a:t>2020/3/11</a:t>
             </a:fld>
             <a:endParaRPr kumimoji="1" lang="ja-JP" altLang="en-US"/>
           </a:p>
@@ -729,7 +729,7 @@
           <a:p>
             <a:fld id="{1C8AC47F-426A-48B8-8AC4-B058F4E6A72C}" type="datetimeFigureOut">
               <a:rPr kumimoji="1" lang="ja-JP" altLang="en-US" smtClean="0"/>
-              <a:t>2020/3/10</a:t>
+              <a:t>2020/3/11</a:t>
             </a:fld>
             <a:endParaRPr kumimoji="1" lang="ja-JP" altLang="en-US"/>
           </a:p>
@@ -959,7 +959,7 @@
           <a:p>
             <a:fld id="{1C8AC47F-426A-48B8-8AC4-B058F4E6A72C}" type="datetimeFigureOut">
               <a:rPr kumimoji="1" lang="ja-JP" altLang="en-US" smtClean="0"/>
-              <a:t>2020/3/10</a:t>
+              <a:t>2020/3/11</a:t>
             </a:fld>
             <a:endParaRPr kumimoji="1" lang="ja-JP" altLang="en-US"/>
           </a:p>
@@ -1234,7 +1234,7 @@
           <a:p>
             <a:fld id="{1C8AC47F-426A-48B8-8AC4-B058F4E6A72C}" type="datetimeFigureOut">
               <a:rPr kumimoji="1" lang="ja-JP" altLang="en-US" smtClean="0"/>
-              <a:t>2020/3/10</a:t>
+              <a:t>2020/3/11</a:t>
             </a:fld>
             <a:endParaRPr kumimoji="1" lang="ja-JP" altLang="en-US"/>
           </a:p>
@@ -1563,7 +1563,7 @@
           <a:p>
             <a:fld id="{1C8AC47F-426A-48B8-8AC4-B058F4E6A72C}" type="datetimeFigureOut">
               <a:rPr kumimoji="1" lang="ja-JP" altLang="en-US" smtClean="0"/>
-              <a:t>2020/3/10</a:t>
+              <a:t>2020/3/11</a:t>
             </a:fld>
             <a:endParaRPr kumimoji="1" lang="ja-JP" altLang="en-US"/>
           </a:p>
@@ -2039,7 +2039,7 @@
           <a:p>
             <a:fld id="{1C8AC47F-426A-48B8-8AC4-B058F4E6A72C}" type="datetimeFigureOut">
               <a:rPr kumimoji="1" lang="ja-JP" altLang="en-US" smtClean="0"/>
-              <a:t>2020/3/10</a:t>
+              <a:t>2020/3/11</a:t>
             </a:fld>
             <a:endParaRPr kumimoji="1" lang="ja-JP" altLang="en-US"/>
           </a:p>
@@ -2180,7 +2180,7 @@
           <a:p>
             <a:fld id="{1C8AC47F-426A-48B8-8AC4-B058F4E6A72C}" type="datetimeFigureOut">
               <a:rPr kumimoji="1" lang="ja-JP" altLang="en-US" smtClean="0"/>
-              <a:t>2020/3/10</a:t>
+              <a:t>2020/3/11</a:t>
             </a:fld>
             <a:endParaRPr kumimoji="1" lang="ja-JP" altLang="en-US"/>
           </a:p>
@@ -2293,7 +2293,7 @@
           <a:p>
             <a:fld id="{1C8AC47F-426A-48B8-8AC4-B058F4E6A72C}" type="datetimeFigureOut">
               <a:rPr kumimoji="1" lang="ja-JP" altLang="en-US" smtClean="0"/>
-              <a:t>2020/3/10</a:t>
+              <a:t>2020/3/11</a:t>
             </a:fld>
             <a:endParaRPr kumimoji="1" lang="ja-JP" altLang="en-US"/>
           </a:p>
@@ -2636,7 +2636,7 @@
           <a:p>
             <a:fld id="{1C8AC47F-426A-48B8-8AC4-B058F4E6A72C}" type="datetimeFigureOut">
               <a:rPr kumimoji="1" lang="ja-JP" altLang="en-US" smtClean="0"/>
-              <a:t>2020/3/10</a:t>
+              <a:t>2020/3/11</a:t>
             </a:fld>
             <a:endParaRPr kumimoji="1" lang="ja-JP" altLang="en-US"/>
           </a:p>
@@ -2924,7 +2924,7 @@
           <a:p>
             <a:fld id="{1C8AC47F-426A-48B8-8AC4-B058F4E6A72C}" type="datetimeFigureOut">
               <a:rPr kumimoji="1" lang="ja-JP" altLang="en-US" smtClean="0"/>
-              <a:t>2020/3/10</a:t>
+              <a:t>2020/3/11</a:t>
             </a:fld>
             <a:endParaRPr kumimoji="1" lang="ja-JP" altLang="en-US"/>
           </a:p>
@@ -3197,7 +3197,7 @@
           <a:p>
             <a:fld id="{1C8AC47F-426A-48B8-8AC4-B058F4E6A72C}" type="datetimeFigureOut">
               <a:rPr kumimoji="1" lang="ja-JP" altLang="en-US" smtClean="0"/>
-              <a:t>2020/3/10</a:t>
+              <a:t>2020/3/11</a:t>
             </a:fld>
             <a:endParaRPr kumimoji="1" lang="ja-JP" altLang="en-US"/>
           </a:p>
@@ -6154,7 +6154,7 @@
         <p:spPr>
           <a:xfrm>
             <a:off x="1045553" y="5434653"/>
-            <a:ext cx="1415772" cy="338554"/>
+            <a:ext cx="1720343" cy="369332"/>
           </a:xfrm>
           <a:prstGeom prst="rect">
             <a:avLst/>
@@ -6168,9 +6168,10 @@
           <a:lstStyle/>
           <a:p>
             <a:r>
-              <a:rPr kumimoji="1" lang="ja-JP" altLang="en-US" sz="1600" dirty="0"/>
-              <a:t>ピカデリー線</a:t>
-            </a:r>
+              <a:rPr lang="en-US" altLang="ja-JP" dirty="0"/>
+              <a:t>Piccadilly Line</a:t>
+            </a:r>
+            <a:endParaRPr kumimoji="1" lang="ja-JP" altLang="en-US" sz="1600" dirty="0"/>
           </a:p>
         </p:txBody>
       </p:sp>
@@ -6189,7 +6190,7 @@
         <p:spPr>
           <a:xfrm>
             <a:off x="1041705" y="5773207"/>
-            <a:ext cx="1415772" cy="338554"/>
+            <a:ext cx="1486304" cy="369332"/>
           </a:xfrm>
           <a:prstGeom prst="rect">
             <a:avLst/>
@@ -6203,13 +6204,10 @@
           <a:lstStyle/>
           <a:p>
             <a:r>
-              <a:rPr lang="ja-JP" altLang="en-US" sz="1600" dirty="0"/>
-              <a:t>セントラル</a:t>
-            </a:r>
-            <a:r>
-              <a:rPr kumimoji="1" lang="ja-JP" altLang="en-US" sz="1600" dirty="0"/>
-              <a:t>線</a:t>
-            </a:r>
+              <a:rPr lang="en-US" altLang="ja-JP" dirty="0"/>
+              <a:t>Central Line</a:t>
+            </a:r>
+            <a:endParaRPr kumimoji="1" lang="ja-JP" altLang="en-US" sz="1600" dirty="0"/>
           </a:p>
         </p:txBody>
       </p:sp>
@@ -6228,7 +6226,7 @@
         <p:spPr>
           <a:xfrm>
             <a:off x="1041705" y="6131643"/>
-            <a:ext cx="1620957" cy="338554"/>
+            <a:ext cx="1447832" cy="369332"/>
           </a:xfrm>
           <a:prstGeom prst="rect">
             <a:avLst/>
@@ -6242,9 +6240,10 @@
           <a:lstStyle/>
           <a:p>
             <a:r>
-              <a:rPr kumimoji="1" lang="ja-JP" altLang="en-US" sz="1600" dirty="0"/>
-              <a:t>ヴィクトリア線</a:t>
-            </a:r>
+              <a:rPr lang="en-US" altLang="ja-JP" dirty="0"/>
+              <a:t>Victoria line</a:t>
+            </a:r>
+            <a:endParaRPr kumimoji="1" lang="ja-JP" altLang="en-US" sz="1600" dirty="0"/>
           </a:p>
         </p:txBody>
       </p:sp>
@@ -6263,7 +6262,7 @@
         <p:spPr>
           <a:xfrm>
             <a:off x="1041704" y="6465542"/>
-            <a:ext cx="595035" cy="338554"/>
+            <a:ext cx="675185" cy="369332"/>
           </a:xfrm>
           <a:prstGeom prst="rect">
             <a:avLst/>
@@ -6277,8 +6276,8 @@
           <a:lstStyle/>
           <a:p>
             <a:r>
-              <a:rPr lang="ja-JP" altLang="en-US" sz="1600" dirty="0"/>
-              <a:t>徒歩</a:t>
+              <a:rPr lang="en-US" altLang="ja-JP" dirty="0"/>
+              <a:t>walk</a:t>
             </a:r>
             <a:endParaRPr kumimoji="1" lang="ja-JP" altLang="en-US" sz="1600" dirty="0"/>
           </a:p>
@@ -6298,8 +6297,8 @@
         </p:nvSpPr>
         <p:spPr>
           <a:xfrm>
-            <a:off x="1374680" y="2463980"/>
-            <a:ext cx="543739" cy="369332"/>
+            <a:off x="1306807" y="2536066"/>
+            <a:ext cx="647934" cy="338554"/>
           </a:xfrm>
           <a:prstGeom prst="rect">
             <a:avLst/>
@@ -6313,13 +6312,14 @@
           <a:lstStyle/>
           <a:p>
             <a:r>
-              <a:rPr kumimoji="1" lang="en-US" altLang="ja-JP" dirty="0"/>
+              <a:rPr kumimoji="1" lang="en-US" altLang="ja-JP" sz="1600" dirty="0"/>
               <a:t>3</a:t>
             </a:r>
             <a:r>
-              <a:rPr kumimoji="1" lang="ja-JP" altLang="en-US" dirty="0"/>
-              <a:t>分</a:t>
-            </a:r>
+              <a:rPr lang="en-US" altLang="ja-JP" sz="1600" dirty="0"/>
+              <a:t>min</a:t>
+            </a:r>
+            <a:endParaRPr kumimoji="1" lang="ja-JP" altLang="en-US" sz="1600" dirty="0"/>
           </a:p>
         </p:txBody>
       </p:sp>
@@ -6337,8 +6337,8 @@
         </p:nvSpPr>
         <p:spPr>
           <a:xfrm>
-            <a:off x="4227928" y="3501118"/>
-            <a:ext cx="543739" cy="369332"/>
+            <a:off x="4156303" y="3501118"/>
+            <a:ext cx="707245" cy="369332"/>
           </a:xfrm>
           <a:prstGeom prst="rect">
             <a:avLst/>
@@ -6353,12 +6353,9 @@
           <a:p>
             <a:r>
               <a:rPr lang="en-US" altLang="ja-JP" dirty="0"/>
-              <a:t>4</a:t>
-            </a:r>
-            <a:r>
-              <a:rPr kumimoji="1" lang="ja-JP" altLang="en-US" dirty="0"/>
-              <a:t>分</a:t>
-            </a:r>
+              <a:t>4min</a:t>
+            </a:r>
+            <a:endParaRPr kumimoji="1" lang="ja-JP" altLang="en-US" dirty="0"/>
           </a:p>
         </p:txBody>
       </p:sp>
@@ -6377,7 +6374,7 @@
         <p:spPr>
           <a:xfrm>
             <a:off x="5361791" y="527957"/>
-            <a:ext cx="671979" cy="369332"/>
+            <a:ext cx="835485" cy="369332"/>
           </a:xfrm>
           <a:prstGeom prst="rect">
             <a:avLst/>
@@ -6395,9 +6392,10 @@
               <a:t>25</a:t>
             </a:r>
             <a:r>
-              <a:rPr kumimoji="1" lang="ja-JP" altLang="en-US" dirty="0"/>
-              <a:t>分</a:t>
-            </a:r>
+              <a:rPr lang="en-US" altLang="ja-JP" dirty="0"/>
+              <a:t>min</a:t>
+            </a:r>
+            <a:endParaRPr kumimoji="1" lang="ja-JP" altLang="en-US" dirty="0"/>
           </a:p>
         </p:txBody>
       </p:sp>
@@ -6415,8 +6413,8 @@
         </p:nvSpPr>
         <p:spPr>
           <a:xfrm>
-            <a:off x="9670191" y="1095294"/>
-            <a:ext cx="671979" cy="369332"/>
+            <a:off x="9588439" y="1066809"/>
+            <a:ext cx="835485" cy="369332"/>
           </a:xfrm>
           <a:prstGeom prst="rect">
             <a:avLst/>
@@ -6431,12 +6429,9 @@
           <a:p>
             <a:r>
               <a:rPr lang="en-US" altLang="ja-JP" dirty="0"/>
-              <a:t>10</a:t>
-            </a:r>
-            <a:r>
-              <a:rPr kumimoji="1" lang="ja-JP" altLang="en-US" dirty="0"/>
-              <a:t>分</a:t>
-            </a:r>
+              <a:t>10min</a:t>
+            </a:r>
+            <a:endParaRPr kumimoji="1" lang="ja-JP" altLang="en-US" dirty="0"/>
           </a:p>
         </p:txBody>
       </p:sp>
@@ -6455,7 +6450,7 @@
         <p:spPr>
           <a:xfrm>
             <a:off x="6569297" y="1328879"/>
-            <a:ext cx="671979" cy="369332"/>
+            <a:ext cx="835485" cy="369332"/>
           </a:xfrm>
           <a:prstGeom prst="rect">
             <a:avLst/>
@@ -6477,9 +6472,10 @@
               <a:t>5</a:t>
             </a:r>
             <a:r>
-              <a:rPr kumimoji="1" lang="ja-JP" altLang="en-US" dirty="0"/>
-              <a:t>分</a:t>
-            </a:r>
+              <a:rPr lang="en-US" altLang="ja-JP" dirty="0"/>
+              <a:t>min</a:t>
+            </a:r>
+            <a:endParaRPr kumimoji="1" lang="ja-JP" altLang="en-US" dirty="0"/>
           </a:p>
         </p:txBody>
       </p:sp>
@@ -6497,8 +6493,8 @@
         </p:nvSpPr>
         <p:spPr>
           <a:xfrm>
-            <a:off x="5793839" y="2807275"/>
-            <a:ext cx="543739" cy="369332"/>
+            <a:off x="5722721" y="2818079"/>
+            <a:ext cx="707245" cy="369332"/>
           </a:xfrm>
           <a:prstGeom prst="rect">
             <a:avLst/>
@@ -6513,12 +6509,9 @@
           <a:p>
             <a:r>
               <a:rPr lang="en-US" altLang="ja-JP" dirty="0"/>
-              <a:t>4</a:t>
-            </a:r>
-            <a:r>
-              <a:rPr kumimoji="1" lang="ja-JP" altLang="en-US" dirty="0"/>
-              <a:t>分</a:t>
-            </a:r>
+              <a:t>4min</a:t>
+            </a:r>
+            <a:endParaRPr kumimoji="1" lang="ja-JP" altLang="en-US" dirty="0"/>
           </a:p>
         </p:txBody>
       </p:sp>
@@ -6536,8 +6529,8 @@
         </p:nvSpPr>
         <p:spPr>
           <a:xfrm>
-            <a:off x="7595445" y="3568531"/>
-            <a:ext cx="671979" cy="369332"/>
+            <a:off x="7519304" y="3578971"/>
+            <a:ext cx="835485" cy="369332"/>
           </a:xfrm>
           <a:prstGeom prst="rect">
             <a:avLst/>
@@ -6555,9 +6548,10 @@
               <a:t>26</a:t>
             </a:r>
             <a:r>
-              <a:rPr kumimoji="1" lang="ja-JP" altLang="en-US" dirty="0"/>
-              <a:t>分</a:t>
-            </a:r>
+              <a:rPr lang="en-US" altLang="ja-JP" dirty="0"/>
+              <a:t>min</a:t>
+            </a:r>
+            <a:endParaRPr kumimoji="1" lang="ja-JP" altLang="en-US" dirty="0"/>
           </a:p>
         </p:txBody>
       </p:sp>
@@ -6575,8 +6569,8 @@
         </p:nvSpPr>
         <p:spPr>
           <a:xfrm>
-            <a:off x="9670190" y="4176551"/>
-            <a:ext cx="543739" cy="369332"/>
+            <a:off x="9652560" y="4176551"/>
+            <a:ext cx="707245" cy="369332"/>
           </a:xfrm>
           <a:prstGeom prst="rect">
             <a:avLst/>
@@ -6594,9 +6588,10 @@
               <a:t>8</a:t>
             </a:r>
             <a:r>
-              <a:rPr kumimoji="1" lang="ja-JP" altLang="en-US" dirty="0"/>
-              <a:t>分</a:t>
-            </a:r>
+              <a:rPr lang="en-US" altLang="ja-JP" dirty="0"/>
+              <a:t>min</a:t>
+            </a:r>
+            <a:endParaRPr kumimoji="1" lang="ja-JP" altLang="en-US" dirty="0"/>
           </a:p>
         </p:txBody>
       </p:sp>
@@ -6614,8 +6609,8 @@
         </p:nvSpPr>
         <p:spPr>
           <a:xfrm>
-            <a:off x="5800830" y="5131237"/>
-            <a:ext cx="543739" cy="369332"/>
+            <a:off x="5718758" y="5147213"/>
+            <a:ext cx="707245" cy="369332"/>
           </a:xfrm>
           <a:prstGeom prst="rect">
             <a:avLst/>
@@ -6633,9 +6628,10 @@
               <a:t>5</a:t>
             </a:r>
             <a:r>
-              <a:rPr kumimoji="1" lang="ja-JP" altLang="en-US" dirty="0"/>
-              <a:t>分</a:t>
-            </a:r>
+              <a:rPr lang="en-US" altLang="ja-JP" dirty="0"/>
+              <a:t>min</a:t>
+            </a:r>
+            <a:endParaRPr kumimoji="1" lang="ja-JP" altLang="en-US" dirty="0"/>
           </a:p>
         </p:txBody>
       </p:sp>
@@ -6653,8 +6649,8 @@
         </p:nvSpPr>
         <p:spPr>
           <a:xfrm>
-            <a:off x="7659564" y="4819920"/>
-            <a:ext cx="671979" cy="369332"/>
+            <a:off x="7519304" y="4830360"/>
+            <a:ext cx="835485" cy="369332"/>
           </a:xfrm>
           <a:prstGeom prst="rect">
             <a:avLst/>
@@ -6669,12 +6665,9 @@
           <a:p>
             <a:r>
               <a:rPr lang="en-US" altLang="ja-JP" dirty="0"/>
-              <a:t>23</a:t>
-            </a:r>
-            <a:r>
-              <a:rPr kumimoji="1" lang="ja-JP" altLang="en-US" dirty="0"/>
-              <a:t>分</a:t>
-            </a:r>
+              <a:t>23min</a:t>
+            </a:r>
+            <a:endParaRPr kumimoji="1" lang="ja-JP" altLang="en-US" dirty="0"/>
           </a:p>
         </p:txBody>
       </p:sp>

--- a/img/access/access_en.pptx
+++ b/img/access/access_en.pptx
@@ -259,7 +259,7 @@
           <a:p>
             <a:fld id="{1C8AC47F-426A-48B8-8AC4-B058F4E6A72C}" type="datetimeFigureOut">
               <a:rPr kumimoji="1" lang="ja-JP" altLang="en-US" smtClean="0"/>
-              <a:t>2020/3/11</a:t>
+              <a:t>2020/3/12</a:t>
             </a:fld>
             <a:endParaRPr kumimoji="1" lang="ja-JP" altLang="en-US"/>
           </a:p>
@@ -489,7 +489,7 @@
           <a:p>
             <a:fld id="{1C8AC47F-426A-48B8-8AC4-B058F4E6A72C}" type="datetimeFigureOut">
               <a:rPr kumimoji="1" lang="ja-JP" altLang="en-US" smtClean="0"/>
-              <a:t>2020/3/11</a:t>
+              <a:t>2020/3/12</a:t>
             </a:fld>
             <a:endParaRPr kumimoji="1" lang="ja-JP" altLang="en-US"/>
           </a:p>
@@ -729,7 +729,7 @@
           <a:p>
             <a:fld id="{1C8AC47F-426A-48B8-8AC4-B058F4E6A72C}" type="datetimeFigureOut">
               <a:rPr kumimoji="1" lang="ja-JP" altLang="en-US" smtClean="0"/>
-              <a:t>2020/3/11</a:t>
+              <a:t>2020/3/12</a:t>
             </a:fld>
             <a:endParaRPr kumimoji="1" lang="ja-JP" altLang="en-US"/>
           </a:p>
@@ -959,7 +959,7 @@
           <a:p>
             <a:fld id="{1C8AC47F-426A-48B8-8AC4-B058F4E6A72C}" type="datetimeFigureOut">
               <a:rPr kumimoji="1" lang="ja-JP" altLang="en-US" smtClean="0"/>
-              <a:t>2020/3/11</a:t>
+              <a:t>2020/3/12</a:t>
             </a:fld>
             <a:endParaRPr kumimoji="1" lang="ja-JP" altLang="en-US"/>
           </a:p>
@@ -1234,7 +1234,7 @@
           <a:p>
             <a:fld id="{1C8AC47F-426A-48B8-8AC4-B058F4E6A72C}" type="datetimeFigureOut">
               <a:rPr kumimoji="1" lang="ja-JP" altLang="en-US" smtClean="0"/>
-              <a:t>2020/3/11</a:t>
+              <a:t>2020/3/12</a:t>
             </a:fld>
             <a:endParaRPr kumimoji="1" lang="ja-JP" altLang="en-US"/>
           </a:p>
@@ -1563,7 +1563,7 @@
           <a:p>
             <a:fld id="{1C8AC47F-426A-48B8-8AC4-B058F4E6A72C}" type="datetimeFigureOut">
               <a:rPr kumimoji="1" lang="ja-JP" altLang="en-US" smtClean="0"/>
-              <a:t>2020/3/11</a:t>
+              <a:t>2020/3/12</a:t>
             </a:fld>
             <a:endParaRPr kumimoji="1" lang="ja-JP" altLang="en-US"/>
           </a:p>
@@ -2039,7 +2039,7 @@
           <a:p>
             <a:fld id="{1C8AC47F-426A-48B8-8AC4-B058F4E6A72C}" type="datetimeFigureOut">
               <a:rPr kumimoji="1" lang="ja-JP" altLang="en-US" smtClean="0"/>
-              <a:t>2020/3/11</a:t>
+              <a:t>2020/3/12</a:t>
             </a:fld>
             <a:endParaRPr kumimoji="1" lang="ja-JP" altLang="en-US"/>
           </a:p>
@@ -2180,7 +2180,7 @@
           <a:p>
             <a:fld id="{1C8AC47F-426A-48B8-8AC4-B058F4E6A72C}" type="datetimeFigureOut">
               <a:rPr kumimoji="1" lang="ja-JP" altLang="en-US" smtClean="0"/>
-              <a:t>2020/3/11</a:t>
+              <a:t>2020/3/12</a:t>
             </a:fld>
             <a:endParaRPr kumimoji="1" lang="ja-JP" altLang="en-US"/>
           </a:p>
@@ -2293,7 +2293,7 @@
           <a:p>
             <a:fld id="{1C8AC47F-426A-48B8-8AC4-B058F4E6A72C}" type="datetimeFigureOut">
               <a:rPr kumimoji="1" lang="ja-JP" altLang="en-US" smtClean="0"/>
-              <a:t>2020/3/11</a:t>
+              <a:t>2020/3/12</a:t>
             </a:fld>
             <a:endParaRPr kumimoji="1" lang="ja-JP" altLang="en-US"/>
           </a:p>
@@ -2636,7 +2636,7 @@
           <a:p>
             <a:fld id="{1C8AC47F-426A-48B8-8AC4-B058F4E6A72C}" type="datetimeFigureOut">
               <a:rPr kumimoji="1" lang="ja-JP" altLang="en-US" smtClean="0"/>
-              <a:t>2020/3/11</a:t>
+              <a:t>2020/3/12</a:t>
             </a:fld>
             <a:endParaRPr kumimoji="1" lang="ja-JP" altLang="en-US"/>
           </a:p>
@@ -2924,7 +2924,7 @@
           <a:p>
             <a:fld id="{1C8AC47F-426A-48B8-8AC4-B058F4E6A72C}" type="datetimeFigureOut">
               <a:rPr kumimoji="1" lang="ja-JP" altLang="en-US" smtClean="0"/>
-              <a:t>2020/3/11</a:t>
+              <a:t>2020/3/12</a:t>
             </a:fld>
             <a:endParaRPr kumimoji="1" lang="ja-JP" altLang="en-US"/>
           </a:p>
@@ -3197,7 +3197,7 @@
           <a:p>
             <a:fld id="{1C8AC47F-426A-48B8-8AC4-B058F4E6A72C}" type="datetimeFigureOut">
               <a:rPr kumimoji="1" lang="ja-JP" altLang="en-US" smtClean="0"/>
-              <a:t>2020/3/11</a:t>
+              <a:t>2020/3/12</a:t>
             </a:fld>
             <a:endParaRPr kumimoji="1" lang="ja-JP" altLang="en-US"/>
           </a:p>
@@ -3664,96 +3664,6 @@
           <a:lstStyle/>
           <a:p>
             <a:pPr algn="ctr"/>
-            <a:r>
-              <a:rPr lang="en-US" altLang="ja-JP" sz="2800" b="1" dirty="0">
-                <a:solidFill>
-                  <a:schemeClr val="tx1"/>
-                </a:solidFill>
-              </a:rPr>
-              <a:t>H</a:t>
-            </a:r>
-            <a:endParaRPr kumimoji="1" lang="en-US" altLang="ja-JP" sz="2800" b="1" dirty="0">
-              <a:solidFill>
-                <a:schemeClr val="tx1"/>
-              </a:solidFill>
-            </a:endParaRPr>
-          </a:p>
-          <a:p>
-            <a:pPr algn="ctr"/>
-            <a:r>
-              <a:rPr lang="en-US" altLang="ja-JP" sz="2800" b="1" dirty="0">
-                <a:solidFill>
-                  <a:schemeClr val="tx1"/>
-                </a:solidFill>
-              </a:rPr>
-              <a:t>e</a:t>
-            </a:r>
-          </a:p>
-          <a:p>
-            <a:pPr algn="ctr"/>
-            <a:r>
-              <a:rPr lang="en-US" altLang="ja-JP" sz="2800" b="1" dirty="0">
-                <a:solidFill>
-                  <a:schemeClr val="tx1"/>
-                </a:solidFill>
-              </a:rPr>
-              <a:t>a</a:t>
-            </a:r>
-          </a:p>
-          <a:p>
-            <a:pPr algn="ctr"/>
-            <a:r>
-              <a:rPr lang="en-US" altLang="ja-JP" sz="2800" b="1" dirty="0">
-                <a:solidFill>
-                  <a:schemeClr val="tx1"/>
-                </a:solidFill>
-              </a:rPr>
-              <a:t>t</a:t>
-            </a:r>
-          </a:p>
-          <a:p>
-            <a:pPr algn="ctr"/>
-            <a:r>
-              <a:rPr lang="en-US" altLang="ja-JP" sz="2800" b="1" dirty="0">
-                <a:solidFill>
-                  <a:schemeClr val="tx1"/>
-                </a:solidFill>
-              </a:rPr>
-              <a:t>h</a:t>
-            </a:r>
-          </a:p>
-          <a:p>
-            <a:pPr algn="ctr"/>
-            <a:r>
-              <a:rPr lang="en-US" altLang="ja-JP" sz="2800" b="1" dirty="0">
-                <a:solidFill>
-                  <a:schemeClr val="tx1"/>
-                </a:solidFill>
-              </a:rPr>
-              <a:t>r</a:t>
-            </a:r>
-          </a:p>
-          <a:p>
-            <a:pPr algn="ctr"/>
-            <a:r>
-              <a:rPr lang="en-US" altLang="ja-JP" sz="2800" b="1" dirty="0">
-                <a:solidFill>
-                  <a:schemeClr val="tx1"/>
-                </a:solidFill>
-              </a:rPr>
-              <a:t>o</a:t>
-            </a:r>
-          </a:p>
-          <a:p>
-            <a:pPr algn="ctr"/>
-            <a:r>
-              <a:rPr lang="en-US" altLang="ja-JP" sz="2800" b="1" dirty="0" err="1">
-                <a:solidFill>
-                  <a:schemeClr val="tx1"/>
-                </a:solidFill>
-              </a:rPr>
-              <a:t>wairport</a:t>
-            </a:r>
             <a:endParaRPr kumimoji="1" lang="en-US" altLang="ja-JP" sz="2800" b="1" dirty="0">
               <a:solidFill>
                 <a:schemeClr val="tx1"/>
@@ -3812,158 +3722,6 @@
           <a:lstStyle/>
           <a:p>
             <a:pPr algn="ctr"/>
-            <a:r>
-              <a:rPr lang="ja-JP" altLang="en-US" sz="2800" b="1" dirty="0">
-                <a:solidFill>
-                  <a:schemeClr val="tx1"/>
-                </a:solidFill>
-              </a:rPr>
-              <a:t>セ</a:t>
-            </a:r>
-            <a:endParaRPr lang="en-US" altLang="ja-JP" sz="2800" b="1" dirty="0">
-              <a:solidFill>
-                <a:schemeClr val="tx1"/>
-              </a:solidFill>
-            </a:endParaRPr>
-          </a:p>
-          <a:p>
-            <a:pPr algn="ctr"/>
-            <a:r>
-              <a:rPr lang="ja-JP" altLang="en-US" sz="2800" b="1" dirty="0">
-                <a:solidFill>
-                  <a:schemeClr val="tx1"/>
-                </a:solidFill>
-              </a:rPr>
-              <a:t>ン</a:t>
-            </a:r>
-            <a:endParaRPr lang="en-US" altLang="ja-JP" sz="2800" b="1" dirty="0">
-              <a:solidFill>
-                <a:schemeClr val="tx1"/>
-              </a:solidFill>
-            </a:endParaRPr>
-          </a:p>
-          <a:p>
-            <a:pPr algn="ctr"/>
-            <a:r>
-              <a:rPr lang="ja-JP" altLang="en-US" sz="2800" b="1" dirty="0">
-                <a:solidFill>
-                  <a:schemeClr val="tx1"/>
-                </a:solidFill>
-              </a:rPr>
-              <a:t>ト</a:t>
-            </a:r>
-            <a:endParaRPr lang="en-US" altLang="ja-JP" sz="2800" b="1" dirty="0">
-              <a:solidFill>
-                <a:schemeClr val="tx1"/>
-              </a:solidFill>
-            </a:endParaRPr>
-          </a:p>
-          <a:p>
-            <a:pPr algn="ctr"/>
-            <a:r>
-              <a:rPr lang="ja-JP" altLang="en-US" sz="2800" b="1" dirty="0">
-                <a:solidFill>
-                  <a:schemeClr val="tx1"/>
-                </a:solidFill>
-              </a:rPr>
-              <a:t>・</a:t>
-            </a:r>
-            <a:endParaRPr lang="en-US" altLang="ja-JP" sz="2800" b="1" dirty="0">
-              <a:solidFill>
-                <a:schemeClr val="tx1"/>
-              </a:solidFill>
-            </a:endParaRPr>
-          </a:p>
-          <a:p>
-            <a:pPr algn="ctr"/>
-            <a:r>
-              <a:rPr lang="ja-JP" altLang="en-US" sz="2800" b="1" dirty="0">
-                <a:solidFill>
-                  <a:schemeClr val="tx1"/>
-                </a:solidFill>
-              </a:rPr>
-              <a:t>パ</a:t>
-            </a:r>
-            <a:endParaRPr lang="en-US" altLang="ja-JP" sz="2800" b="1" dirty="0">
-              <a:solidFill>
-                <a:schemeClr val="tx1"/>
-              </a:solidFill>
-            </a:endParaRPr>
-          </a:p>
-          <a:p>
-            <a:pPr algn="ctr"/>
-            <a:r>
-              <a:rPr lang="ja-JP" altLang="en-US" sz="2800" b="1" dirty="0">
-                <a:solidFill>
-                  <a:schemeClr val="tx1"/>
-                </a:solidFill>
-              </a:rPr>
-              <a:t>ン</a:t>
-            </a:r>
-            <a:endParaRPr lang="en-US" altLang="ja-JP" sz="2800" b="1" dirty="0">
-              <a:solidFill>
-                <a:schemeClr val="tx1"/>
-              </a:solidFill>
-            </a:endParaRPr>
-          </a:p>
-          <a:p>
-            <a:pPr algn="ctr"/>
-            <a:r>
-              <a:rPr lang="ja-JP" altLang="en-US" sz="2800" b="1" dirty="0">
-                <a:solidFill>
-                  <a:schemeClr val="tx1"/>
-                </a:solidFill>
-              </a:rPr>
-              <a:t>ク</a:t>
-            </a:r>
-            <a:endParaRPr lang="en-US" altLang="ja-JP" sz="2800" b="1" dirty="0">
-              <a:solidFill>
-                <a:schemeClr val="tx1"/>
-              </a:solidFill>
-            </a:endParaRPr>
-          </a:p>
-          <a:p>
-            <a:pPr algn="ctr"/>
-            <a:r>
-              <a:rPr lang="ja-JP" altLang="en-US" sz="2800" b="1" dirty="0">
-                <a:solidFill>
-                  <a:schemeClr val="tx1"/>
-                </a:solidFill>
-              </a:rPr>
-              <a:t>ラ</a:t>
-            </a:r>
-            <a:endParaRPr lang="en-US" altLang="ja-JP" sz="2800" b="1" dirty="0">
-              <a:solidFill>
-                <a:schemeClr val="tx1"/>
-              </a:solidFill>
-            </a:endParaRPr>
-          </a:p>
-          <a:p>
-            <a:pPr algn="ctr"/>
-            <a:r>
-              <a:rPr lang="ja-JP" altLang="en-US" sz="2800" b="1" dirty="0">
-                <a:solidFill>
-                  <a:schemeClr val="tx1"/>
-                </a:solidFill>
-              </a:rPr>
-              <a:t>ス</a:t>
-            </a:r>
-            <a:endParaRPr lang="en-US" altLang="ja-JP" sz="2800" b="1" dirty="0">
-              <a:solidFill>
-                <a:schemeClr val="tx1"/>
-              </a:solidFill>
-            </a:endParaRPr>
-          </a:p>
-          <a:p>
-            <a:pPr algn="ctr"/>
-            <a:r>
-              <a:rPr lang="ja-JP" altLang="en-US" sz="2800" b="1" dirty="0">
-                <a:solidFill>
-                  <a:schemeClr val="tx1"/>
-                </a:solidFill>
-              </a:rPr>
-              <a:t>駅</a:t>
-            </a:r>
             <a:endParaRPr kumimoji="1" lang="ja-JP" altLang="en-US" b="1" dirty="0">
               <a:solidFill>
                 <a:schemeClr val="tx1"/>
@@ -4022,142 +3780,11 @@
           <a:lstStyle/>
           <a:p>
             <a:pPr algn="ctr"/>
-            <a:r>
-              <a:rPr kumimoji="1" lang="ja-JP" altLang="en-US" sz="2800" b="1" dirty="0">
-                <a:solidFill>
-                  <a:schemeClr val="tx1"/>
-                </a:solidFill>
-              </a:rPr>
-              <a:t>キ</a:t>
-            </a:r>
             <a:endParaRPr kumimoji="1" lang="en-US" altLang="ja-JP" sz="2800" b="1" dirty="0">
               <a:solidFill>
                 <a:schemeClr val="tx1"/>
               </a:solidFill>
             </a:endParaRPr>
-          </a:p>
-          <a:p>
-            <a:pPr algn="ctr"/>
-            <a:r>
-              <a:rPr kumimoji="1" lang="ja-JP" altLang="en-US" sz="2800" b="1" dirty="0">
-                <a:solidFill>
-                  <a:schemeClr val="tx1"/>
-                </a:solidFill>
-              </a:rPr>
-              <a:t>ン</a:t>
-            </a:r>
-            <a:endParaRPr kumimoji="1" lang="en-US" altLang="ja-JP" sz="2800" b="1" dirty="0">
-              <a:solidFill>
-                <a:schemeClr val="tx1"/>
-              </a:solidFill>
-            </a:endParaRPr>
-          </a:p>
-          <a:p>
-            <a:pPr algn="ctr"/>
-            <a:r>
-              <a:rPr kumimoji="1" lang="ja-JP" altLang="en-US" sz="2800" b="1" dirty="0">
-                <a:solidFill>
-                  <a:schemeClr val="tx1"/>
-                </a:solidFill>
-              </a:rPr>
-              <a:t>グ</a:t>
-            </a:r>
-            <a:endParaRPr kumimoji="1" lang="en-US" altLang="ja-JP" sz="2800" b="1" dirty="0">
-              <a:solidFill>
-                <a:schemeClr val="tx1"/>
-              </a:solidFill>
-            </a:endParaRPr>
-          </a:p>
-          <a:p>
-            <a:pPr algn="ctr"/>
-            <a:r>
-              <a:rPr kumimoji="1" lang="ja-JP" altLang="en-US" sz="2800" b="1" dirty="0">
-                <a:solidFill>
-                  <a:schemeClr val="tx1"/>
-                </a:solidFill>
-              </a:rPr>
-              <a:t>ス</a:t>
-            </a:r>
-            <a:endParaRPr kumimoji="1" lang="en-US" altLang="ja-JP" sz="2800" b="1" dirty="0">
-              <a:solidFill>
-                <a:schemeClr val="tx1"/>
-              </a:solidFill>
-            </a:endParaRPr>
-          </a:p>
-          <a:p>
-            <a:pPr algn="ctr"/>
-            <a:r>
-              <a:rPr kumimoji="1" lang="ja-JP" altLang="en-US" sz="2800" b="1" dirty="0">
-                <a:solidFill>
-                  <a:schemeClr val="tx1"/>
-                </a:solidFill>
-              </a:rPr>
-              <a:t>・</a:t>
-            </a:r>
-            <a:endParaRPr kumimoji="1" lang="en-US" altLang="ja-JP" sz="2800" b="1" dirty="0">
-              <a:solidFill>
-                <a:schemeClr val="tx1"/>
-              </a:solidFill>
-            </a:endParaRPr>
-          </a:p>
-          <a:p>
-            <a:pPr algn="ctr"/>
-            <a:r>
-              <a:rPr kumimoji="1" lang="ja-JP" altLang="en-US" sz="2800" b="1" dirty="0">
-                <a:solidFill>
-                  <a:schemeClr val="tx1"/>
-                </a:solidFill>
-              </a:rPr>
-              <a:t>ク</a:t>
-            </a:r>
-            <a:endParaRPr kumimoji="1" lang="en-US" altLang="ja-JP" sz="2800" b="1" dirty="0">
-              <a:solidFill>
-                <a:schemeClr val="tx1"/>
-              </a:solidFill>
-            </a:endParaRPr>
-          </a:p>
-          <a:p>
-            <a:pPr algn="ctr"/>
-            <a:r>
-              <a:rPr kumimoji="1" lang="ja-JP" altLang="en-US" sz="2800" b="1" dirty="0">
-                <a:solidFill>
-                  <a:schemeClr val="tx1"/>
-                </a:solidFill>
-              </a:rPr>
-              <a:t>ロ</a:t>
-            </a:r>
-            <a:endParaRPr kumimoji="1" lang="en-US" altLang="ja-JP" sz="2800" b="1" dirty="0">
-              <a:solidFill>
-                <a:schemeClr val="tx1"/>
-              </a:solidFill>
-            </a:endParaRPr>
-          </a:p>
-          <a:p>
-            <a:pPr algn="ctr"/>
-            <a:r>
-              <a:rPr kumimoji="1" lang="ja-JP" altLang="en-US" sz="2800" b="1" dirty="0">
-                <a:solidFill>
-                  <a:schemeClr val="tx1"/>
-                </a:solidFill>
-              </a:rPr>
-              <a:t>ス</a:t>
-            </a:r>
-            <a:endParaRPr kumimoji="1" lang="en-US" altLang="ja-JP" sz="2800" b="1" dirty="0">
-              <a:solidFill>
-                <a:schemeClr val="tx1"/>
-              </a:solidFill>
-            </a:endParaRPr>
-          </a:p>
-          <a:p>
-            <a:pPr algn="ctr"/>
-            <a:r>
-              <a:rPr kumimoji="1" lang="ja-JP" altLang="en-US" sz="2800" b="1" dirty="0">
-                <a:solidFill>
-                  <a:schemeClr val="tx1"/>
-                </a:solidFill>
-              </a:rPr>
-              <a:t>駅</a:t>
-            </a:r>
           </a:p>
         </p:txBody>
       </p:sp>
@@ -4211,222 +3838,11 @@
           <a:lstStyle/>
           <a:p>
             <a:pPr algn="ctr"/>
-            <a:r>
-              <a:rPr kumimoji="1" lang="ja-JP" altLang="en-US" sz="2000" b="1" dirty="0">
-                <a:solidFill>
-                  <a:schemeClr val="tx1"/>
-                </a:solidFill>
-              </a:rPr>
-              <a:t>ロ</a:t>
-            </a:r>
-            <a:endParaRPr kumimoji="1" lang="en-US" altLang="ja-JP" sz="2000" b="1" dirty="0">
+            <a:endParaRPr kumimoji="1" lang="ja-JP" altLang="en-US" sz="2000" b="1" dirty="0">
               <a:solidFill>
                 <a:schemeClr val="tx1"/>
               </a:solidFill>
             </a:endParaRPr>
-          </a:p>
-          <a:p>
-            <a:pPr algn="ctr"/>
-            <a:r>
-              <a:rPr kumimoji="1" lang="ja-JP" altLang="en-US" sz="2000" b="1" dirty="0">
-                <a:solidFill>
-                  <a:schemeClr val="tx1"/>
-                </a:solidFill>
-              </a:rPr>
-              <a:t>ン</a:t>
-            </a:r>
-            <a:endParaRPr kumimoji="1" lang="en-US" altLang="ja-JP" sz="2000" b="1" dirty="0">
-              <a:solidFill>
-                <a:schemeClr val="tx1"/>
-              </a:solidFill>
-            </a:endParaRPr>
-          </a:p>
-          <a:p>
-            <a:pPr algn="ctr"/>
-            <a:r>
-              <a:rPr kumimoji="1" lang="ja-JP" altLang="en-US" sz="2000" b="1" dirty="0">
-                <a:solidFill>
-                  <a:schemeClr val="tx1"/>
-                </a:solidFill>
-              </a:rPr>
-              <a:t>ド</a:t>
-            </a:r>
-            <a:endParaRPr kumimoji="1" lang="en-US" altLang="ja-JP" sz="2000" b="1" dirty="0">
-              <a:solidFill>
-                <a:schemeClr val="tx1"/>
-              </a:solidFill>
-            </a:endParaRPr>
-          </a:p>
-          <a:p>
-            <a:pPr algn="ctr"/>
-            <a:r>
-              <a:rPr kumimoji="1" lang="ja-JP" altLang="en-US" sz="2000" b="1" dirty="0">
-                <a:solidFill>
-                  <a:schemeClr val="tx1"/>
-                </a:solidFill>
-              </a:rPr>
-              <a:t>ン</a:t>
-            </a:r>
-            <a:endParaRPr kumimoji="1" lang="en-US" altLang="ja-JP" sz="2000" b="1" dirty="0">
-              <a:solidFill>
-                <a:schemeClr val="tx1"/>
-              </a:solidFill>
-            </a:endParaRPr>
-          </a:p>
-          <a:p>
-            <a:pPr algn="ctr"/>
-            <a:r>
-              <a:rPr kumimoji="1" lang="ja-JP" altLang="en-US" sz="2000" b="1" dirty="0">
-                <a:solidFill>
-                  <a:schemeClr val="tx1"/>
-                </a:solidFill>
-              </a:rPr>
-              <a:t>マ</a:t>
-            </a:r>
-            <a:endParaRPr kumimoji="1" lang="en-US" altLang="ja-JP" sz="2000" b="1" dirty="0">
-              <a:solidFill>
-                <a:schemeClr val="tx1"/>
-              </a:solidFill>
-            </a:endParaRPr>
-          </a:p>
-          <a:p>
-            <a:pPr algn="ctr"/>
-            <a:r>
-              <a:rPr kumimoji="1" lang="ja-JP" altLang="en-US" sz="2000" b="1" dirty="0">
-                <a:solidFill>
-                  <a:schemeClr val="tx1"/>
-                </a:solidFill>
-              </a:rPr>
-              <a:t>ネ</a:t>
-            </a:r>
-            <a:endParaRPr kumimoji="1" lang="en-US" altLang="ja-JP" sz="2000" b="1" dirty="0">
-              <a:solidFill>
-                <a:schemeClr val="tx1"/>
-              </a:solidFill>
-            </a:endParaRPr>
-          </a:p>
-          <a:p>
-            <a:pPr algn="ctr"/>
-            <a:r>
-              <a:rPr kumimoji="1" lang="ja-JP" altLang="en-US" sz="2000" b="1" dirty="0">
-                <a:solidFill>
-                  <a:schemeClr val="tx1"/>
-                </a:solidFill>
-              </a:rPr>
-              <a:t>ジ</a:t>
-            </a:r>
-            <a:endParaRPr kumimoji="1" lang="en-US" altLang="ja-JP" sz="2000" b="1" dirty="0">
-              <a:solidFill>
-                <a:schemeClr val="tx1"/>
-              </a:solidFill>
-            </a:endParaRPr>
-          </a:p>
-          <a:p>
-            <a:pPr algn="ctr"/>
-            <a:r>
-              <a:rPr kumimoji="1" lang="ja-JP" altLang="en-US" sz="2000" b="1" dirty="0">
-                <a:solidFill>
-                  <a:schemeClr val="tx1"/>
-                </a:solidFill>
-              </a:rPr>
-              <a:t>メ</a:t>
-            </a:r>
-            <a:endParaRPr kumimoji="1" lang="en-US" altLang="ja-JP" sz="2000" b="1" dirty="0">
-              <a:solidFill>
-                <a:schemeClr val="tx1"/>
-              </a:solidFill>
-            </a:endParaRPr>
-          </a:p>
-          <a:p>
-            <a:pPr algn="ctr"/>
-            <a:r>
-              <a:rPr kumimoji="1" lang="ja-JP" altLang="en-US" sz="2000" b="1" dirty="0">
-                <a:solidFill>
-                  <a:schemeClr val="tx1"/>
-                </a:solidFill>
-              </a:rPr>
-              <a:t>ン</a:t>
-            </a:r>
-            <a:endParaRPr kumimoji="1" lang="en-US" altLang="ja-JP" sz="2000" b="1" dirty="0">
-              <a:solidFill>
-                <a:schemeClr val="tx1"/>
-              </a:solidFill>
-            </a:endParaRPr>
-          </a:p>
-          <a:p>
-            <a:pPr algn="ctr"/>
-            <a:r>
-              <a:rPr kumimoji="1" lang="ja-JP" altLang="en-US" sz="2000" b="1" dirty="0">
-                <a:solidFill>
-                  <a:schemeClr val="tx1"/>
-                </a:solidFill>
-              </a:rPr>
-              <a:t>ト</a:t>
-            </a:r>
-            <a:endParaRPr kumimoji="1" lang="en-US" altLang="ja-JP" sz="2000" b="1" dirty="0">
-              <a:solidFill>
-                <a:schemeClr val="tx1"/>
-              </a:solidFill>
-            </a:endParaRPr>
-          </a:p>
-          <a:p>
-            <a:pPr algn="ctr"/>
-            <a:r>
-              <a:rPr kumimoji="1" lang="ja-JP" altLang="en-US" sz="2000" b="1" dirty="0">
-                <a:solidFill>
-                  <a:schemeClr val="tx1"/>
-                </a:solidFill>
-              </a:rPr>
-              <a:t>ス</a:t>
-            </a:r>
-            <a:endParaRPr kumimoji="1" lang="en-US" altLang="ja-JP" sz="2000" b="1" dirty="0">
-              <a:solidFill>
-                <a:schemeClr val="tx1"/>
-              </a:solidFill>
-            </a:endParaRPr>
-          </a:p>
-          <a:p>
-            <a:pPr algn="ctr"/>
-            <a:r>
-              <a:rPr kumimoji="1" lang="ja-JP" altLang="en-US" sz="2000" b="1" dirty="0">
-                <a:solidFill>
-                  <a:schemeClr val="tx1"/>
-                </a:solidFill>
-              </a:rPr>
-              <a:t>ク</a:t>
-            </a:r>
-            <a:endParaRPr kumimoji="1" lang="en-US" altLang="ja-JP" sz="2000" b="1" dirty="0">
-              <a:solidFill>
-                <a:schemeClr val="tx1"/>
-              </a:solidFill>
-            </a:endParaRPr>
-          </a:p>
-          <a:p>
-            <a:pPr algn="ctr"/>
-            <a:r>
-              <a:rPr lang="en-US" altLang="ja-JP" sz="2000" b="1" dirty="0">
-                <a:solidFill>
-                  <a:schemeClr val="tx1"/>
-                </a:solidFill>
-              </a:rPr>
-              <a:t>l</a:t>
-            </a:r>
-            <a:endParaRPr kumimoji="1" lang="en-US" altLang="ja-JP" sz="2000" b="1" dirty="0">
-              <a:solidFill>
-                <a:schemeClr val="tx1"/>
-              </a:solidFill>
-            </a:endParaRPr>
-          </a:p>
-          <a:p>
-            <a:pPr algn="ctr"/>
-            <a:r>
-              <a:rPr kumimoji="1" lang="ja-JP" altLang="en-US" sz="2000" b="1" dirty="0">
-                <a:solidFill>
-                  <a:schemeClr val="tx1"/>
-                </a:solidFill>
-              </a:rPr>
-              <a:t>ル</a:t>
-            </a:r>
           </a:p>
         </p:txBody>
       </p:sp>
@@ -4480,143 +3896,7 @@
           <a:lstStyle/>
           <a:p>
             <a:pPr algn="ctr"/>
-            <a:r>
-              <a:rPr kumimoji="1" lang="ja-JP" altLang="en-US" sz="1400" b="1" dirty="0">
-                <a:solidFill>
-                  <a:schemeClr val="tx1"/>
-                </a:solidFill>
-              </a:rPr>
-              <a:t>イ</a:t>
-            </a:r>
             <a:endParaRPr kumimoji="1" lang="en-US" altLang="ja-JP" sz="1400" b="1" dirty="0">
-              <a:solidFill>
-                <a:schemeClr val="tx1"/>
-              </a:solidFill>
-            </a:endParaRPr>
-          </a:p>
-          <a:p>
-            <a:pPr algn="ctr"/>
-            <a:r>
-              <a:rPr lang="en-US" altLang="ja-JP" sz="1400" b="1" dirty="0">
-                <a:solidFill>
-                  <a:schemeClr val="tx1"/>
-                </a:solidFill>
-              </a:rPr>
-              <a:t>l</a:t>
-            </a:r>
-            <a:endParaRPr kumimoji="1" lang="en-US" altLang="ja-JP" sz="1400" b="1" dirty="0">
-              <a:solidFill>
-                <a:schemeClr val="tx1"/>
-              </a:solidFill>
-            </a:endParaRPr>
-          </a:p>
-          <a:p>
-            <a:pPr algn="ctr"/>
-            <a:r>
-              <a:rPr kumimoji="1" lang="ja-JP" altLang="en-US" sz="1400" b="1" dirty="0">
-                <a:solidFill>
-                  <a:schemeClr val="tx1"/>
-                </a:solidFill>
-              </a:rPr>
-              <a:t>リ</a:t>
-            </a:r>
-            <a:endParaRPr kumimoji="1" lang="en-US" altLang="ja-JP" sz="1400" b="1" dirty="0">
-              <a:solidFill>
-                <a:schemeClr val="tx1"/>
-              </a:solidFill>
-            </a:endParaRPr>
-          </a:p>
-          <a:p>
-            <a:pPr algn="ctr"/>
-            <a:r>
-              <a:rPr kumimoji="1" lang="ja-JP" altLang="en-US" sz="1400" b="1" dirty="0">
-                <a:solidFill>
-                  <a:schemeClr val="tx1"/>
-                </a:solidFill>
-              </a:rPr>
-              <a:t>ン</a:t>
-            </a:r>
-            <a:endParaRPr kumimoji="1" lang="en-US" altLang="ja-JP" sz="1400" b="1" dirty="0">
-              <a:solidFill>
-                <a:schemeClr val="tx1"/>
-              </a:solidFill>
-            </a:endParaRPr>
-          </a:p>
-          <a:p>
-            <a:pPr algn="ctr"/>
-            <a:r>
-              <a:rPr kumimoji="1" lang="ja-JP" altLang="en-US" sz="1400" b="1" dirty="0">
-                <a:solidFill>
-                  <a:schemeClr val="tx1"/>
-                </a:solidFill>
-              </a:rPr>
-              <a:t>グ</a:t>
-            </a:r>
-            <a:endParaRPr kumimoji="1" lang="en-US" altLang="ja-JP" sz="1400" b="1" dirty="0">
-              <a:solidFill>
-                <a:schemeClr val="tx1"/>
-              </a:solidFill>
-            </a:endParaRPr>
-          </a:p>
-          <a:p>
-            <a:pPr algn="ctr"/>
-            <a:r>
-              <a:rPr kumimoji="1" lang="ja-JP" altLang="en-US" sz="1400" b="1" dirty="0">
-                <a:solidFill>
-                  <a:schemeClr val="tx1"/>
-                </a:solidFill>
-              </a:rPr>
-              <a:t>コ</a:t>
-            </a:r>
-            <a:endParaRPr kumimoji="1" lang="en-US" altLang="ja-JP" sz="1400" b="1" dirty="0">
-              <a:solidFill>
-                <a:schemeClr val="tx1"/>
-              </a:solidFill>
-            </a:endParaRPr>
-          </a:p>
-          <a:p>
-            <a:pPr algn="ctr"/>
-            <a:r>
-              <a:rPr kumimoji="1" lang="ja-JP" altLang="en-US" sz="1400" b="1" dirty="0">
-                <a:solidFill>
-                  <a:schemeClr val="tx1"/>
-                </a:solidFill>
-              </a:rPr>
-              <a:t>モ</a:t>
-            </a:r>
-            <a:endParaRPr kumimoji="1" lang="en-US" altLang="ja-JP" sz="1400" b="1" dirty="0">
-              <a:solidFill>
-                <a:schemeClr val="tx1"/>
-              </a:solidFill>
-            </a:endParaRPr>
-          </a:p>
-          <a:p>
-            <a:pPr algn="ctr"/>
-            <a:r>
-              <a:rPr kumimoji="1" lang="ja-JP" altLang="en-US" sz="1400" b="1" dirty="0">
-                <a:solidFill>
-                  <a:schemeClr val="tx1"/>
-                </a:solidFill>
-              </a:rPr>
-              <a:t>ン</a:t>
-            </a:r>
-            <a:endParaRPr kumimoji="1" lang="en-US" altLang="ja-JP" sz="1400" b="1" dirty="0">
-              <a:solidFill>
-                <a:schemeClr val="tx1"/>
-              </a:solidFill>
-            </a:endParaRPr>
-          </a:p>
-          <a:p>
-            <a:pPr algn="ctr"/>
-            <a:r>
-              <a:rPr kumimoji="1" lang="ja-JP" altLang="en-US" sz="1400" b="1" dirty="0">
-                <a:solidFill>
-                  <a:schemeClr val="tx1"/>
-                </a:solidFill>
-              </a:rPr>
-              <a:t>駅</a:t>
-            </a:r>
-            <a:endParaRPr kumimoji="1" lang="ja-JP" altLang="en-US" sz="1600" b="1" dirty="0">
               <a:solidFill>
                 <a:schemeClr val="tx1"/>
               </a:solidFill>
@@ -4674,142 +3954,11 @@
           <a:lstStyle/>
           <a:p>
             <a:pPr algn="ctr"/>
-            <a:r>
-              <a:rPr kumimoji="1" lang="ja-JP" altLang="en-US" sz="1400" b="1" dirty="0">
-                <a:solidFill>
-                  <a:schemeClr val="tx1"/>
-                </a:solidFill>
-              </a:rPr>
-              <a:t>ウ</a:t>
-            </a:r>
-            <a:endParaRPr kumimoji="1" lang="en-US" altLang="ja-JP" sz="1400" b="1" dirty="0">
+            <a:endParaRPr kumimoji="1" lang="ja-JP" altLang="en-US" sz="1400" b="1" dirty="0">
               <a:solidFill>
                 <a:schemeClr val="tx1"/>
               </a:solidFill>
             </a:endParaRPr>
-          </a:p>
-          <a:p>
-            <a:pPr algn="ctr"/>
-            <a:r>
-              <a:rPr kumimoji="1" lang="ja-JP" altLang="en-US" sz="1400" b="1" dirty="0">
-                <a:solidFill>
-                  <a:schemeClr val="tx1"/>
-                </a:solidFill>
-              </a:rPr>
-              <a:t>エ</a:t>
-            </a:r>
-            <a:endParaRPr kumimoji="1" lang="en-US" altLang="ja-JP" sz="1400" b="1" dirty="0">
-              <a:solidFill>
-                <a:schemeClr val="tx1"/>
-              </a:solidFill>
-            </a:endParaRPr>
-          </a:p>
-          <a:p>
-            <a:pPr algn="ctr"/>
-            <a:r>
-              <a:rPr kumimoji="1" lang="ja-JP" altLang="en-US" sz="1400" b="1" dirty="0">
-                <a:solidFill>
-                  <a:schemeClr val="tx1"/>
-                </a:solidFill>
-              </a:rPr>
-              <a:t>ス</a:t>
-            </a:r>
-            <a:endParaRPr kumimoji="1" lang="en-US" altLang="ja-JP" sz="1400" b="1" dirty="0">
-              <a:solidFill>
-                <a:schemeClr val="tx1"/>
-              </a:solidFill>
-            </a:endParaRPr>
-          </a:p>
-          <a:p>
-            <a:pPr algn="ctr"/>
-            <a:r>
-              <a:rPr kumimoji="1" lang="ja-JP" altLang="en-US" sz="1400" b="1" dirty="0">
-                <a:solidFill>
-                  <a:schemeClr val="tx1"/>
-                </a:solidFill>
-              </a:rPr>
-              <a:t>ト</a:t>
-            </a:r>
-            <a:endParaRPr kumimoji="1" lang="en-US" altLang="ja-JP" sz="1400" b="1" dirty="0">
-              <a:solidFill>
-                <a:schemeClr val="tx1"/>
-              </a:solidFill>
-            </a:endParaRPr>
-          </a:p>
-          <a:p>
-            <a:pPr algn="ctr"/>
-            <a:r>
-              <a:rPr kumimoji="1" lang="ja-JP" altLang="en-US" sz="1400" b="1" dirty="0">
-                <a:solidFill>
-                  <a:schemeClr val="tx1"/>
-                </a:solidFill>
-              </a:rPr>
-              <a:t>ア</a:t>
-            </a:r>
-            <a:endParaRPr kumimoji="1" lang="en-US" altLang="ja-JP" sz="1400" b="1" dirty="0">
-              <a:solidFill>
-                <a:schemeClr val="tx1"/>
-              </a:solidFill>
-            </a:endParaRPr>
-          </a:p>
-          <a:p>
-            <a:pPr algn="ctr"/>
-            <a:r>
-              <a:rPr kumimoji="1" lang="ja-JP" altLang="en-US" sz="1400" b="1" dirty="0">
-                <a:solidFill>
-                  <a:schemeClr val="tx1"/>
-                </a:solidFill>
-              </a:rPr>
-              <a:t>ク</a:t>
-            </a:r>
-            <a:endParaRPr kumimoji="1" lang="en-US" altLang="ja-JP" sz="1400" b="1" dirty="0">
-              <a:solidFill>
-                <a:schemeClr val="tx1"/>
-              </a:solidFill>
-            </a:endParaRPr>
-          </a:p>
-          <a:p>
-            <a:pPr algn="ctr"/>
-            <a:r>
-              <a:rPr kumimoji="1" lang="ja-JP" altLang="en-US" sz="1400" b="1" dirty="0">
-                <a:solidFill>
-                  <a:schemeClr val="tx1"/>
-                </a:solidFill>
-              </a:rPr>
-              <a:t>ト</a:t>
-            </a:r>
-            <a:endParaRPr kumimoji="1" lang="en-US" altLang="ja-JP" sz="1400" b="1" dirty="0">
-              <a:solidFill>
-                <a:schemeClr val="tx1"/>
-              </a:solidFill>
-            </a:endParaRPr>
-          </a:p>
-          <a:p>
-            <a:pPr algn="ctr"/>
-            <a:r>
-              <a:rPr kumimoji="1" lang="ja-JP" altLang="en-US" sz="1400" b="1" dirty="0">
-                <a:solidFill>
-                  <a:schemeClr val="tx1"/>
-                </a:solidFill>
-              </a:rPr>
-              <a:t>ン</a:t>
-            </a:r>
-            <a:endParaRPr kumimoji="1" lang="en-US" altLang="ja-JP" sz="1400" b="1" dirty="0">
-              <a:solidFill>
-                <a:schemeClr val="tx1"/>
-              </a:solidFill>
-            </a:endParaRPr>
-          </a:p>
-          <a:p>
-            <a:pPr algn="ctr"/>
-            <a:r>
-              <a:rPr kumimoji="1" lang="ja-JP" altLang="en-US" sz="1400" b="1" dirty="0">
-                <a:solidFill>
-                  <a:schemeClr val="tx1"/>
-                </a:solidFill>
-              </a:rPr>
-              <a:t>駅</a:t>
-            </a:r>
           </a:p>
         </p:txBody>
       </p:sp>
@@ -4862,127 +4011,6 @@
           <a:bodyPr rtlCol="0" anchor="ctr"/>
           <a:lstStyle/>
           <a:p>
-            <a:r>
-              <a:rPr kumimoji="1" lang="ja-JP" altLang="en-US" b="1" dirty="0">
-                <a:solidFill>
-                  <a:schemeClr val="tx1"/>
-                </a:solidFill>
-              </a:rPr>
-              <a:t>オ</a:t>
-            </a:r>
-            <a:endParaRPr kumimoji="1" lang="en-US" altLang="ja-JP" b="1" dirty="0">
-              <a:solidFill>
-                <a:schemeClr val="tx1"/>
-              </a:solidFill>
-            </a:endParaRPr>
-          </a:p>
-          <a:p>
-            <a:r>
-              <a:rPr kumimoji="1" lang="ja-JP" altLang="en-US" b="1" dirty="0">
-                <a:solidFill>
-                  <a:schemeClr val="tx1"/>
-                </a:solidFill>
-              </a:rPr>
-              <a:t>ッ</a:t>
-            </a:r>
-            <a:endParaRPr kumimoji="1" lang="en-US" altLang="ja-JP" b="1" dirty="0">
-              <a:solidFill>
-                <a:schemeClr val="tx1"/>
-              </a:solidFill>
-            </a:endParaRPr>
-          </a:p>
-          <a:p>
-            <a:r>
-              <a:rPr kumimoji="1" lang="ja-JP" altLang="en-US" b="1" dirty="0">
-                <a:solidFill>
-                  <a:schemeClr val="tx1"/>
-                </a:solidFill>
-              </a:rPr>
-              <a:t>ク</a:t>
-            </a:r>
-            <a:endParaRPr kumimoji="1" lang="en-US" altLang="ja-JP" b="1" dirty="0">
-              <a:solidFill>
-                <a:schemeClr val="tx1"/>
-              </a:solidFill>
-            </a:endParaRPr>
-          </a:p>
-          <a:p>
-            <a:r>
-              <a:rPr kumimoji="1" lang="ja-JP" altLang="en-US" b="1" dirty="0">
-                <a:solidFill>
-                  <a:schemeClr val="tx1"/>
-                </a:solidFill>
-              </a:rPr>
-              <a:t>ス</a:t>
-            </a:r>
-            <a:endParaRPr kumimoji="1" lang="en-US" altLang="ja-JP" b="1" dirty="0">
-              <a:solidFill>
-                <a:schemeClr val="tx1"/>
-              </a:solidFill>
-            </a:endParaRPr>
-          </a:p>
-          <a:p>
-            <a:r>
-              <a:rPr kumimoji="1" lang="ja-JP" altLang="en-US" b="1" dirty="0">
-                <a:solidFill>
-                  <a:schemeClr val="tx1"/>
-                </a:solidFill>
-              </a:rPr>
-              <a:t>フ</a:t>
-            </a:r>
-            <a:endParaRPr kumimoji="1" lang="en-US" altLang="ja-JP" b="1" dirty="0">
-              <a:solidFill>
-                <a:schemeClr val="tx1"/>
-              </a:solidFill>
-            </a:endParaRPr>
-          </a:p>
-          <a:p>
-            <a:r>
-              <a:rPr kumimoji="1" lang="ja-JP" altLang="en-US" b="1" dirty="0">
-                <a:solidFill>
-                  <a:schemeClr val="tx1"/>
-                </a:solidFill>
-              </a:rPr>
-              <a:t>ォ</a:t>
-            </a:r>
-            <a:endParaRPr kumimoji="1" lang="en-US" altLang="ja-JP" b="1" dirty="0">
-              <a:solidFill>
-                <a:schemeClr val="tx1"/>
-              </a:solidFill>
-            </a:endParaRPr>
-          </a:p>
-          <a:p>
-            <a:r>
-              <a:rPr lang="ja-JP" altLang="en-US" b="1" dirty="0">
-                <a:solidFill>
-                  <a:schemeClr val="tx1"/>
-                </a:solidFill>
-              </a:rPr>
-              <a:t> </a:t>
-            </a:r>
-            <a:r>
-              <a:rPr lang="en-US" altLang="ja-JP" b="1" dirty="0">
-                <a:solidFill>
-                  <a:schemeClr val="tx1"/>
-                </a:solidFill>
-              </a:rPr>
-              <a:t>l</a:t>
-            </a:r>
-            <a:endParaRPr kumimoji="1" lang="en-US" altLang="ja-JP" b="1" dirty="0">
-              <a:solidFill>
-                <a:schemeClr val="tx1"/>
-              </a:solidFill>
-            </a:endParaRPr>
-          </a:p>
-          <a:p>
-            <a:r>
-              <a:rPr lang="ja-JP" altLang="en-US" b="1" dirty="0">
-                <a:solidFill>
-                  <a:schemeClr val="tx1"/>
-                </a:solidFill>
-              </a:rPr>
-              <a:t>ド</a:t>
-            </a:r>
             <a:endParaRPr kumimoji="1" lang="en-US" altLang="ja-JP" b="1" dirty="0">
               <a:solidFill>
                 <a:schemeClr val="tx1"/>
@@ -5041,129 +4069,11 @@
           <a:lstStyle/>
           <a:p>
             <a:pPr algn="ctr"/>
-            <a:r>
-              <a:rPr kumimoji="1" lang="ja-JP" altLang="en-US" sz="2400" b="1" dirty="0">
-                <a:solidFill>
-                  <a:schemeClr val="tx1"/>
-                </a:solidFill>
-              </a:rPr>
-              <a:t>ホ</a:t>
-            </a:r>
-            <a:endParaRPr kumimoji="1" lang="en-US" altLang="ja-JP" sz="2400" b="1" dirty="0">
+            <a:endParaRPr lang="en-US" altLang="ja-JP" sz="2400" b="1" dirty="0">
               <a:solidFill>
                 <a:schemeClr val="tx1"/>
               </a:solidFill>
             </a:endParaRPr>
-          </a:p>
-          <a:p>
-            <a:pPr algn="ctr"/>
-            <a:r>
-              <a:rPr kumimoji="1" lang="ja-JP" altLang="en-US" sz="2400" b="1" dirty="0">
-                <a:solidFill>
-                  <a:schemeClr val="tx1"/>
-                </a:solidFill>
-              </a:rPr>
-              <a:t>ル</a:t>
-            </a:r>
-            <a:endParaRPr kumimoji="1" lang="en-US" altLang="ja-JP" sz="2400" b="1" dirty="0">
-              <a:solidFill>
-                <a:schemeClr val="tx1"/>
-              </a:solidFill>
-            </a:endParaRPr>
-          </a:p>
-          <a:p>
-            <a:pPr algn="ctr"/>
-            <a:r>
-              <a:rPr kumimoji="1" lang="ja-JP" altLang="en-US" sz="2400" b="1" dirty="0">
-                <a:solidFill>
-                  <a:schemeClr val="tx1"/>
-                </a:solidFill>
-              </a:rPr>
-              <a:t>ボ</a:t>
-            </a:r>
-            <a:endParaRPr kumimoji="1" lang="en-US" altLang="ja-JP" sz="2400" b="1" dirty="0">
-              <a:solidFill>
-                <a:schemeClr val="tx1"/>
-              </a:solidFill>
-            </a:endParaRPr>
-          </a:p>
-          <a:p>
-            <a:pPr algn="ctr"/>
-            <a:r>
-              <a:rPr lang="en-US" altLang="ja-JP" sz="2400" b="1" dirty="0">
-                <a:solidFill>
-                  <a:schemeClr val="tx1"/>
-                </a:solidFill>
-              </a:rPr>
-              <a:t>l</a:t>
-            </a:r>
-            <a:endParaRPr kumimoji="1" lang="en-US" altLang="ja-JP" sz="2400" b="1" dirty="0">
-              <a:solidFill>
-                <a:schemeClr val="tx1"/>
-              </a:solidFill>
-            </a:endParaRPr>
-          </a:p>
-          <a:p>
-            <a:pPr algn="ctr"/>
-            <a:r>
-              <a:rPr kumimoji="1" lang="ja-JP" altLang="en-US" sz="2400" b="1" dirty="0">
-                <a:solidFill>
-                  <a:schemeClr val="tx1"/>
-                </a:solidFill>
-              </a:rPr>
-              <a:t>ン</a:t>
-            </a:r>
-            <a:endParaRPr kumimoji="1" lang="en-US" altLang="ja-JP" sz="2400" b="1" dirty="0">
-              <a:solidFill>
-                <a:schemeClr val="tx1"/>
-              </a:solidFill>
-            </a:endParaRPr>
-          </a:p>
-          <a:p>
-            <a:pPr algn="ctr"/>
-            <a:r>
-              <a:rPr kumimoji="1" lang="ja-JP" altLang="en-US" sz="2400" b="1" dirty="0">
-                <a:solidFill>
-                  <a:schemeClr val="tx1"/>
-                </a:solidFill>
-              </a:rPr>
-              <a:t>駅</a:t>
-            </a:r>
-          </a:p>
-        </p:txBody>
-      </p:sp>
-      <p:sp>
-        <p:nvSpPr>
-          <p:cNvPr id="10" name="テキスト ボックス 9">
-            <a:extLst>
-              <a:ext uri="{FF2B5EF4-FFF2-40B4-BE49-F238E27FC236}">
-                <a16:creationId xmlns:a16="http://schemas.microsoft.com/office/drawing/2014/main" id="{6D4A33FC-48D4-43D7-81E5-9B2BDAD6A85A}"/>
-              </a:ext>
-            </a:extLst>
-          </p:cNvPr>
-          <p:cNvSpPr txBox="1"/>
-          <p:nvPr/>
-        </p:nvSpPr>
-        <p:spPr>
-          <a:xfrm>
-            <a:off x="6894060" y="4992420"/>
-            <a:ext cx="461665" cy="1246495"/>
-          </a:xfrm>
-          <a:prstGeom prst="rect">
-            <a:avLst/>
-          </a:prstGeom>
-          <a:noFill/>
-        </p:spPr>
-        <p:txBody>
-          <a:bodyPr vert="eaVert" wrap="none" rtlCol="0">
-            <a:spAutoFit/>
-          </a:bodyPr>
-          <a:lstStyle/>
-          <a:p>
-            <a:r>
-              <a:rPr kumimoji="1" lang="ja-JP" altLang="en-US" b="1" dirty="0"/>
-              <a:t>サーカス駅</a:t>
-            </a:r>
           </a:p>
         </p:txBody>
       </p:sp>
@@ -5217,176 +4127,6 @@
           <a:lstStyle/>
           <a:p>
             <a:pPr algn="ctr"/>
-            <a:r>
-              <a:rPr lang="en-US" altLang="ja-JP" sz="2000" b="1" dirty="0">
-                <a:solidFill>
-                  <a:schemeClr val="tx1"/>
-                </a:solidFill>
-              </a:rPr>
-              <a:t>H</a:t>
-            </a:r>
-          </a:p>
-          <a:p>
-            <a:pPr algn="ctr"/>
-            <a:r>
-              <a:rPr lang="en-US" altLang="ja-JP" sz="2000" b="1" dirty="0">
-                <a:solidFill>
-                  <a:schemeClr val="tx1"/>
-                </a:solidFill>
-              </a:rPr>
-              <a:t>A</a:t>
-            </a:r>
-          </a:p>
-          <a:p>
-            <a:pPr algn="ctr"/>
-            <a:r>
-              <a:rPr lang="en-US" altLang="ja-JP" sz="2000" b="1" dirty="0">
-                <a:solidFill>
-                  <a:schemeClr val="tx1"/>
-                </a:solidFill>
-              </a:rPr>
-              <a:t>T</a:t>
-            </a:r>
-          </a:p>
-          <a:p>
-            <a:pPr algn="ctr"/>
-            <a:r>
-              <a:rPr lang="en-US" altLang="ja-JP" sz="2000" b="1" dirty="0">
-                <a:solidFill>
-                  <a:schemeClr val="tx1"/>
-                </a:solidFill>
-              </a:rPr>
-              <a:t>T</a:t>
-            </a:r>
-          </a:p>
-          <a:p>
-            <a:pPr algn="ctr"/>
-            <a:r>
-              <a:rPr lang="en-US" altLang="ja-JP" sz="2000" b="1" dirty="0">
-                <a:solidFill>
-                  <a:schemeClr val="tx1"/>
-                </a:solidFill>
-              </a:rPr>
-              <a:t>O</a:t>
-            </a:r>
-          </a:p>
-          <a:p>
-            <a:pPr algn="ctr"/>
-            <a:r>
-              <a:rPr lang="en-US" altLang="ja-JP" sz="2000" b="1" dirty="0">
-                <a:solidFill>
-                  <a:schemeClr val="tx1"/>
-                </a:solidFill>
-              </a:rPr>
-              <a:t>N</a:t>
-            </a:r>
-          </a:p>
-          <a:p>
-            <a:pPr algn="ctr"/>
-            <a:endParaRPr lang="en-US" altLang="ja-JP" sz="2000" b="1" dirty="0">
-              <a:solidFill>
-                <a:schemeClr val="tx1"/>
-              </a:solidFill>
-            </a:endParaRPr>
-          </a:p>
-          <a:p>
-            <a:pPr algn="ctr"/>
-            <a:r>
-              <a:rPr lang="en-US" altLang="ja-JP" sz="2000" b="1" dirty="0">
-                <a:solidFill>
-                  <a:schemeClr val="tx1"/>
-                </a:solidFill>
-              </a:rPr>
-              <a:t>C</a:t>
-            </a:r>
-          </a:p>
-          <a:p>
-            <a:pPr algn="ctr"/>
-            <a:r>
-              <a:rPr lang="en-US" altLang="ja-JP" sz="2000" b="1" dirty="0">
-                <a:solidFill>
-                  <a:schemeClr val="tx1"/>
-                </a:solidFill>
-              </a:rPr>
-              <a:t>R</a:t>
-            </a:r>
-          </a:p>
-          <a:p>
-            <a:pPr algn="ctr"/>
-            <a:r>
-              <a:rPr lang="en-US" altLang="ja-JP" sz="2000" b="1" dirty="0">
-                <a:solidFill>
-                  <a:schemeClr val="tx1"/>
-                </a:solidFill>
-              </a:rPr>
-              <a:t>O</a:t>
-            </a:r>
-          </a:p>
-          <a:p>
-            <a:pPr algn="ctr"/>
-            <a:r>
-              <a:rPr lang="en-US" altLang="ja-JP" sz="2000" b="1" dirty="0">
-                <a:solidFill>
-                  <a:schemeClr val="tx1"/>
-                </a:solidFill>
-              </a:rPr>
-              <a:t>S</a:t>
-            </a:r>
-          </a:p>
-          <a:p>
-            <a:pPr algn="ctr"/>
-            <a:r>
-              <a:rPr lang="en-US" altLang="ja-JP" sz="2000" b="1" dirty="0">
-                <a:solidFill>
-                  <a:schemeClr val="tx1"/>
-                </a:solidFill>
-              </a:rPr>
-              <a:t>S</a:t>
-            </a:r>
-          </a:p>
-          <a:p>
-            <a:pPr algn="ctr"/>
-            <a:endParaRPr lang="en-US" altLang="ja-JP" sz="2000" b="1" dirty="0">
-              <a:solidFill>
-                <a:schemeClr val="tx1"/>
-              </a:solidFill>
-            </a:endParaRPr>
-          </a:p>
-          <a:p>
-            <a:pPr algn="ctr"/>
-            <a:r>
-              <a:rPr lang="en-US" altLang="ja-JP" sz="2000" b="1" dirty="0">
-                <a:solidFill>
-                  <a:schemeClr val="tx1"/>
-                </a:solidFill>
-              </a:rPr>
-              <a:t>S</a:t>
-            </a:r>
-          </a:p>
-          <a:p>
-            <a:pPr algn="ctr"/>
-            <a:r>
-              <a:rPr lang="en-US" altLang="ja-JP" sz="2000" b="1" dirty="0">
-                <a:solidFill>
-                  <a:schemeClr val="tx1"/>
-                </a:solidFill>
-              </a:rPr>
-              <a:t>T</a:t>
-            </a:r>
-          </a:p>
-          <a:p>
-            <a:pPr algn="ctr"/>
-            <a:r>
-              <a:rPr lang="en-US" altLang="ja-JP" sz="2000" b="1" dirty="0">
-                <a:solidFill>
-                  <a:schemeClr val="tx1"/>
-                </a:solidFill>
-              </a:rPr>
-              <a:t>N.</a:t>
-            </a:r>
-          </a:p>
-          <a:p>
-            <a:pPr algn="ctr"/>
             <a:endParaRPr lang="en-US" altLang="ja-JP" sz="2800" b="1" dirty="0">
               <a:solidFill>
                 <a:schemeClr val="tx1"/>
@@ -6673,10 +5413,10 @@
       </p:sp>
       <p:sp>
         <p:nvSpPr>
-          <p:cNvPr id="42" name="テキスト ボックス 41">
-            <a:extLst>
-              <a:ext uri="{FF2B5EF4-FFF2-40B4-BE49-F238E27FC236}">
-                <a16:creationId xmlns:a16="http://schemas.microsoft.com/office/drawing/2014/main" id="{12A83254-D075-4355-98E0-624FA38992BF}"/>
+          <p:cNvPr id="44" name="テキスト ボックス 43">
+            <a:extLst>
+              <a:ext uri="{FF2B5EF4-FFF2-40B4-BE49-F238E27FC236}">
+                <a16:creationId xmlns:a16="http://schemas.microsoft.com/office/drawing/2014/main" id="{73850DED-9384-4FBB-BAAE-BEA5365539C1}"/>
               </a:ext>
             </a:extLst>
           </p:cNvPr>
@@ -6684,9 +5424,9 @@
           <p:nvPr/>
         </p:nvSpPr>
         <p:spPr>
-          <a:xfrm>
-            <a:off x="6656494" y="5403875"/>
-            <a:ext cx="441146" cy="400110"/>
+          <a:xfrm rot="5400000">
+            <a:off x="3413496" y="3612863"/>
+            <a:ext cx="3586238" cy="584775"/>
           </a:xfrm>
           <a:prstGeom prst="rect">
             <a:avLst/>
@@ -6700,10 +5440,342 @@
           <a:lstStyle/>
           <a:p>
             <a:r>
-              <a:rPr lang="ja-JP" altLang="en-US" sz="2000" dirty="0"/>
-              <a:t>・</a:t>
-            </a:r>
-            <a:endParaRPr kumimoji="1" lang="ja-JP" altLang="en-US" sz="2000" dirty="0"/>
+              <a:rPr kumimoji="1" lang="en-US" altLang="ja-JP" sz="3200" b="1" dirty="0"/>
+              <a:t>King’s Cross </a:t>
+            </a:r>
+            <a:r>
+              <a:rPr kumimoji="1" lang="en-US" altLang="ja-JP" sz="3200" b="1" dirty="0" err="1"/>
+              <a:t>Stn.</a:t>
+            </a:r>
+            <a:endParaRPr kumimoji="1" lang="ja-JP" altLang="en-US" sz="3200" b="1" dirty="0"/>
+          </a:p>
+        </p:txBody>
+      </p:sp>
+      <p:sp>
+        <p:nvSpPr>
+          <p:cNvPr id="45" name="テキスト ボックス 44">
+            <a:extLst>
+              <a:ext uri="{FF2B5EF4-FFF2-40B4-BE49-F238E27FC236}">
+                <a16:creationId xmlns:a16="http://schemas.microsoft.com/office/drawing/2014/main" id="{FC70779F-0D8A-4463-925A-266957D54EE4}"/>
+              </a:ext>
+            </a:extLst>
+          </p:cNvPr>
+          <p:cNvSpPr txBox="1"/>
+          <p:nvPr/>
+        </p:nvSpPr>
+        <p:spPr>
+          <a:xfrm rot="5400000">
+            <a:off x="-911306" y="2595874"/>
+            <a:ext cx="3627916" cy="584775"/>
+          </a:xfrm>
+          <a:prstGeom prst="rect">
+            <a:avLst/>
+          </a:prstGeom>
+          <a:noFill/>
+        </p:spPr>
+        <p:txBody>
+          <a:bodyPr wrap="none" rtlCol="0">
+            <a:spAutoFit/>
+          </a:bodyPr>
+          <a:lstStyle/>
+          <a:p>
+            <a:r>
+              <a:rPr lang="en-US" altLang="ja-JP" sz="3200" b="1" dirty="0"/>
+              <a:t>Heathrow Airport</a:t>
+            </a:r>
+            <a:endParaRPr kumimoji="1" lang="ja-JP" altLang="en-US" sz="3200" b="1" dirty="0"/>
+          </a:p>
+        </p:txBody>
+      </p:sp>
+      <p:sp>
+        <p:nvSpPr>
+          <p:cNvPr id="46" name="テキスト ボックス 45">
+            <a:extLst>
+              <a:ext uri="{FF2B5EF4-FFF2-40B4-BE49-F238E27FC236}">
+                <a16:creationId xmlns:a16="http://schemas.microsoft.com/office/drawing/2014/main" id="{5A847E9C-FD3B-4D8F-B20C-0FB32063E514}"/>
+              </a:ext>
+            </a:extLst>
+          </p:cNvPr>
+          <p:cNvSpPr txBox="1"/>
+          <p:nvPr/>
+        </p:nvSpPr>
+        <p:spPr>
+          <a:xfrm rot="5400000">
+            <a:off x="497270" y="2589605"/>
+            <a:ext cx="3716082" cy="584775"/>
+          </a:xfrm>
+          <a:prstGeom prst="rect">
+            <a:avLst/>
+          </a:prstGeom>
+          <a:noFill/>
+        </p:spPr>
+        <p:txBody>
+          <a:bodyPr wrap="none" rtlCol="0">
+            <a:spAutoFit/>
+          </a:bodyPr>
+          <a:lstStyle/>
+          <a:p>
+            <a:r>
+              <a:rPr lang="en-US" altLang="ja-JP" sz="3200" b="1" dirty="0"/>
+              <a:t>Hatton Cross </a:t>
+            </a:r>
+            <a:r>
+              <a:rPr lang="en-US" altLang="ja-JP" sz="3200" b="1" dirty="0" err="1"/>
+              <a:t>Stn.</a:t>
+            </a:r>
+            <a:endParaRPr kumimoji="1" lang="ja-JP" altLang="en-US" sz="4800" b="1" dirty="0"/>
+          </a:p>
+        </p:txBody>
+      </p:sp>
+      <p:sp>
+        <p:nvSpPr>
+          <p:cNvPr id="47" name="テキスト ボックス 46">
+            <a:extLst>
+              <a:ext uri="{FF2B5EF4-FFF2-40B4-BE49-F238E27FC236}">
+                <a16:creationId xmlns:a16="http://schemas.microsoft.com/office/drawing/2014/main" id="{1A0E931D-AFAD-4011-87B3-ABBA0C86BE92}"/>
+              </a:ext>
+            </a:extLst>
+          </p:cNvPr>
+          <p:cNvSpPr txBox="1"/>
+          <p:nvPr/>
+        </p:nvSpPr>
+        <p:spPr>
+          <a:xfrm rot="5400000">
+            <a:off x="2026446" y="3707802"/>
+            <a:ext cx="3373039" cy="584775"/>
+          </a:xfrm>
+          <a:prstGeom prst="rect">
+            <a:avLst/>
+          </a:prstGeom>
+          <a:noFill/>
+        </p:spPr>
+        <p:txBody>
+          <a:bodyPr wrap="none" rtlCol="0">
+            <a:spAutoFit/>
+          </a:bodyPr>
+          <a:lstStyle/>
+          <a:p>
+            <a:r>
+              <a:rPr lang="en-US" altLang="ja-JP" sz="3200" b="1" dirty="0"/>
+              <a:t>St. </a:t>
+            </a:r>
+            <a:r>
+              <a:rPr lang="en-US" altLang="ja-JP" sz="3200" b="1" dirty="0" err="1"/>
+              <a:t>Pancras</a:t>
+            </a:r>
+            <a:r>
+              <a:rPr lang="en-US" altLang="ja-JP" sz="3200" b="1" dirty="0"/>
+              <a:t> </a:t>
+            </a:r>
+            <a:r>
+              <a:rPr lang="en-US" altLang="ja-JP" sz="3200" b="1" dirty="0" err="1"/>
+              <a:t>Stn.</a:t>
+            </a:r>
+            <a:endParaRPr kumimoji="1" lang="ja-JP" altLang="en-US" sz="7200" b="1" dirty="0"/>
+          </a:p>
+        </p:txBody>
+      </p:sp>
+      <p:sp>
+        <p:nvSpPr>
+          <p:cNvPr id="48" name="テキスト ボックス 47">
+            <a:extLst>
+              <a:ext uri="{FF2B5EF4-FFF2-40B4-BE49-F238E27FC236}">
+                <a16:creationId xmlns:a16="http://schemas.microsoft.com/office/drawing/2014/main" id="{3F73101C-AF32-4612-AAB9-3B8A8703210C}"/>
+              </a:ext>
+            </a:extLst>
+          </p:cNvPr>
+          <p:cNvSpPr txBox="1"/>
+          <p:nvPr/>
+        </p:nvSpPr>
+        <p:spPr>
+          <a:xfrm rot="5400000">
+            <a:off x="5831327" y="2978510"/>
+            <a:ext cx="2063385" cy="461665"/>
+          </a:xfrm>
+          <a:prstGeom prst="rect">
+            <a:avLst/>
+          </a:prstGeom>
+          <a:noFill/>
+        </p:spPr>
+        <p:txBody>
+          <a:bodyPr wrap="none" rtlCol="0">
+            <a:spAutoFit/>
+          </a:bodyPr>
+          <a:lstStyle/>
+          <a:p>
+            <a:r>
+              <a:rPr lang="en-US" altLang="ja-JP" sz="2400" b="1" dirty="0" err="1"/>
+              <a:t>Holborn</a:t>
+            </a:r>
+            <a:r>
+              <a:rPr lang="en-US" altLang="ja-JP" sz="2400" b="1" dirty="0"/>
+              <a:t> </a:t>
+            </a:r>
+            <a:r>
+              <a:rPr lang="en-US" altLang="ja-JP" sz="2400" b="1" dirty="0" err="1"/>
+              <a:t>Stn.</a:t>
+            </a:r>
+            <a:endParaRPr kumimoji="1" lang="ja-JP" altLang="en-US" sz="2400" b="1" dirty="0"/>
+          </a:p>
+        </p:txBody>
+      </p:sp>
+      <p:sp>
+        <p:nvSpPr>
+          <p:cNvPr id="50" name="テキスト ボックス 49">
+            <a:extLst>
+              <a:ext uri="{FF2B5EF4-FFF2-40B4-BE49-F238E27FC236}">
+                <a16:creationId xmlns:a16="http://schemas.microsoft.com/office/drawing/2014/main" id="{3437C3CA-541D-4AAC-9CD4-B48CBA21A93A}"/>
+              </a:ext>
+            </a:extLst>
+          </p:cNvPr>
+          <p:cNvSpPr txBox="1"/>
+          <p:nvPr/>
+        </p:nvSpPr>
+        <p:spPr>
+          <a:xfrm rot="5400000">
+            <a:off x="5777812" y="5431002"/>
+            <a:ext cx="2230098" cy="369332"/>
+          </a:xfrm>
+          <a:prstGeom prst="rect">
+            <a:avLst/>
+          </a:prstGeom>
+          <a:noFill/>
+        </p:spPr>
+        <p:txBody>
+          <a:bodyPr wrap="none" rtlCol="0">
+            <a:spAutoFit/>
+          </a:bodyPr>
+          <a:lstStyle/>
+          <a:p>
+            <a:r>
+              <a:rPr lang="en-US" altLang="ja-JP" b="1" dirty="0"/>
+              <a:t>Oxford Circus </a:t>
+            </a:r>
+            <a:r>
+              <a:rPr lang="en-US" altLang="ja-JP" b="1" dirty="0" err="1"/>
+              <a:t>Stn.</a:t>
+            </a:r>
+            <a:endParaRPr kumimoji="1" lang="ja-JP" altLang="en-US" b="1" dirty="0"/>
+          </a:p>
+        </p:txBody>
+      </p:sp>
+      <p:sp>
+        <p:nvSpPr>
+          <p:cNvPr id="51" name="テキスト ボックス 50">
+            <a:extLst>
+              <a:ext uri="{FF2B5EF4-FFF2-40B4-BE49-F238E27FC236}">
+                <a16:creationId xmlns:a16="http://schemas.microsoft.com/office/drawing/2014/main" id="{9A1E1983-FB32-4B97-8046-0494752D0A7E}"/>
+              </a:ext>
+            </a:extLst>
+          </p:cNvPr>
+          <p:cNvSpPr txBox="1"/>
+          <p:nvPr/>
+        </p:nvSpPr>
+        <p:spPr>
+          <a:xfrm rot="5400000">
+            <a:off x="7874604" y="1344268"/>
+            <a:ext cx="2210862" cy="338554"/>
+          </a:xfrm>
+          <a:prstGeom prst="rect">
+            <a:avLst/>
+          </a:prstGeom>
+          <a:noFill/>
+        </p:spPr>
+        <p:txBody>
+          <a:bodyPr wrap="none" rtlCol="0">
+            <a:spAutoFit/>
+          </a:bodyPr>
+          <a:lstStyle/>
+          <a:p>
+            <a:r>
+              <a:rPr lang="en-US" altLang="ja-JP" sz="1600" b="1" dirty="0" err="1"/>
+              <a:t>Ealing</a:t>
+            </a:r>
+            <a:r>
+              <a:rPr lang="en-US" altLang="ja-JP" sz="1600" b="1" dirty="0"/>
+              <a:t> Common </a:t>
+            </a:r>
+            <a:r>
+              <a:rPr lang="en-US" altLang="ja-JP" sz="1600" b="1" dirty="0" err="1"/>
+              <a:t>Stn.</a:t>
+            </a:r>
+            <a:endParaRPr kumimoji="1" lang="ja-JP" altLang="en-US" sz="1600" b="1" dirty="0"/>
+          </a:p>
+        </p:txBody>
+      </p:sp>
+      <p:sp>
+        <p:nvSpPr>
+          <p:cNvPr id="52" name="テキスト ボックス 51">
+            <a:extLst>
+              <a:ext uri="{FF2B5EF4-FFF2-40B4-BE49-F238E27FC236}">
+                <a16:creationId xmlns:a16="http://schemas.microsoft.com/office/drawing/2014/main" id="{3AA61EB9-1C7F-4F33-8B6C-368AD4445F8D}"/>
+              </a:ext>
+            </a:extLst>
+          </p:cNvPr>
+          <p:cNvSpPr txBox="1"/>
+          <p:nvPr/>
+        </p:nvSpPr>
+        <p:spPr>
+          <a:xfrm rot="5400000">
+            <a:off x="7991695" y="4418801"/>
+            <a:ext cx="1975221" cy="369332"/>
+          </a:xfrm>
+          <a:prstGeom prst="rect">
+            <a:avLst/>
+          </a:prstGeom>
+          <a:noFill/>
+        </p:spPr>
+        <p:txBody>
+          <a:bodyPr wrap="none" rtlCol="0">
+            <a:spAutoFit/>
+          </a:bodyPr>
+          <a:lstStyle/>
+          <a:p>
+            <a:r>
+              <a:rPr lang="en-US" altLang="ja-JP" b="1" dirty="0"/>
+              <a:t>West Acton </a:t>
+            </a:r>
+            <a:r>
+              <a:rPr lang="en-US" altLang="ja-JP" b="1" dirty="0" err="1"/>
+              <a:t>Stn.</a:t>
+            </a:r>
+            <a:endParaRPr kumimoji="1" lang="ja-JP" altLang="en-US" b="1" dirty="0"/>
+          </a:p>
+        </p:txBody>
+      </p:sp>
+      <p:sp>
+        <p:nvSpPr>
+          <p:cNvPr id="54" name="テキスト ボックス 53">
+            <a:extLst>
+              <a:ext uri="{FF2B5EF4-FFF2-40B4-BE49-F238E27FC236}">
+                <a16:creationId xmlns:a16="http://schemas.microsoft.com/office/drawing/2014/main" id="{FF8C7145-ECB8-4132-87A0-E52225C89C5A}"/>
+              </a:ext>
+            </a:extLst>
+          </p:cNvPr>
+          <p:cNvSpPr txBox="1"/>
+          <p:nvPr/>
+        </p:nvSpPr>
+        <p:spPr>
+          <a:xfrm rot="5400000">
+            <a:off x="8792057" y="3198168"/>
+            <a:ext cx="4480714" cy="461665"/>
+          </a:xfrm>
+          <a:prstGeom prst="rect">
+            <a:avLst/>
+          </a:prstGeom>
+          <a:noFill/>
+        </p:spPr>
+        <p:txBody>
+          <a:bodyPr wrap="none" rtlCol="0">
+            <a:spAutoFit/>
+          </a:bodyPr>
+          <a:lstStyle/>
+          <a:p>
+            <a:r>
+              <a:rPr lang="en-US" altLang="ja-JP" sz="2400" b="1" dirty="0"/>
+              <a:t>London Management School</a:t>
+            </a:r>
+            <a:endParaRPr kumimoji="1" lang="ja-JP" altLang="en-US" sz="2400" b="1" dirty="0"/>
           </a:p>
         </p:txBody>
       </p:sp>
